--- a/ibm_1102.pptx
+++ b/ibm_1102.pptx
@@ -247,7 +247,7 @@
           <a:p>
             <a:fld id="{EA8D3418-03AE-E04E-8436-3042FFD692E6}" type="datetimeFigureOut">
               <a:rPr lang="en-US" smtClean="0"/>
-              <a:t>11/1/18</a:t>
+              <a:t>11/28/18</a:t>
             </a:fld>
             <a:endParaRPr lang="en-US"/>
           </a:p>
@@ -643,7 +643,7 @@
           <a:p>
             <a:fld id="{B122C9D4-D70C-8744-B8EA-410692182F3A}" type="datetimeFigureOut">
               <a:rPr lang="en-US" smtClean="0"/>
-              <a:t>11/1/18</a:t>
+              <a:t>11/28/18</a:t>
             </a:fld>
             <a:endParaRPr lang="en-US"/>
           </a:p>
@@ -811,7 +811,7 @@
           <a:p>
             <a:fld id="{B122C9D4-D70C-8744-B8EA-410692182F3A}" type="datetimeFigureOut">
               <a:rPr lang="en-US" smtClean="0"/>
-              <a:t>11/1/18</a:t>
+              <a:t>11/28/18</a:t>
             </a:fld>
             <a:endParaRPr lang="en-US"/>
           </a:p>
@@ -989,7 +989,7 @@
           <a:p>
             <a:fld id="{B122C9D4-D70C-8744-B8EA-410692182F3A}" type="datetimeFigureOut">
               <a:rPr lang="en-US" smtClean="0"/>
-              <a:t>11/1/18</a:t>
+              <a:t>11/28/18</a:t>
             </a:fld>
             <a:endParaRPr lang="en-US"/>
           </a:p>
@@ -1157,7 +1157,7 @@
           <a:p>
             <a:fld id="{B122C9D4-D70C-8744-B8EA-410692182F3A}" type="datetimeFigureOut">
               <a:rPr lang="en-US" smtClean="0"/>
-              <a:t>11/1/18</a:t>
+              <a:t>11/28/18</a:t>
             </a:fld>
             <a:endParaRPr lang="en-US"/>
           </a:p>
@@ -1402,7 +1402,7 @@
           <a:p>
             <a:fld id="{B122C9D4-D70C-8744-B8EA-410692182F3A}" type="datetimeFigureOut">
               <a:rPr lang="en-US" smtClean="0"/>
-              <a:t>11/1/18</a:t>
+              <a:t>11/28/18</a:t>
             </a:fld>
             <a:endParaRPr lang="en-US"/>
           </a:p>
@@ -1631,7 +1631,7 @@
           <a:p>
             <a:fld id="{B122C9D4-D70C-8744-B8EA-410692182F3A}" type="datetimeFigureOut">
               <a:rPr lang="en-US" smtClean="0"/>
-              <a:t>11/1/18</a:t>
+              <a:t>11/28/18</a:t>
             </a:fld>
             <a:endParaRPr lang="en-US"/>
           </a:p>
@@ -1995,7 +1995,7 @@
           <a:p>
             <a:fld id="{B122C9D4-D70C-8744-B8EA-410692182F3A}" type="datetimeFigureOut">
               <a:rPr lang="en-US" smtClean="0"/>
-              <a:t>11/1/18</a:t>
+              <a:t>11/28/18</a:t>
             </a:fld>
             <a:endParaRPr lang="en-US"/>
           </a:p>
@@ -2112,7 +2112,7 @@
           <a:p>
             <a:fld id="{B122C9D4-D70C-8744-B8EA-410692182F3A}" type="datetimeFigureOut">
               <a:rPr lang="en-US" smtClean="0"/>
-              <a:t>11/1/18</a:t>
+              <a:t>11/28/18</a:t>
             </a:fld>
             <a:endParaRPr lang="en-US"/>
           </a:p>
@@ -2207,7 +2207,7 @@
           <a:p>
             <a:fld id="{B122C9D4-D70C-8744-B8EA-410692182F3A}" type="datetimeFigureOut">
               <a:rPr lang="en-US" smtClean="0"/>
-              <a:t>11/1/18</a:t>
+              <a:t>11/28/18</a:t>
             </a:fld>
             <a:endParaRPr lang="en-US"/>
           </a:p>
@@ -2482,7 +2482,7 @@
           <a:p>
             <a:fld id="{B122C9D4-D70C-8744-B8EA-410692182F3A}" type="datetimeFigureOut">
               <a:rPr lang="en-US" smtClean="0"/>
-              <a:t>11/1/18</a:t>
+              <a:t>11/28/18</a:t>
             </a:fld>
             <a:endParaRPr lang="en-US"/>
           </a:p>
@@ -2734,7 +2734,7 @@
           <a:p>
             <a:fld id="{B122C9D4-D70C-8744-B8EA-410692182F3A}" type="datetimeFigureOut">
               <a:rPr lang="en-US" smtClean="0"/>
-              <a:t>11/1/18</a:t>
+              <a:t>11/28/18</a:t>
             </a:fld>
             <a:endParaRPr lang="en-US"/>
           </a:p>
@@ -2945,7 +2945,7 @@
           <a:p>
             <a:fld id="{B122C9D4-D70C-8744-B8EA-410692182F3A}" type="datetimeFigureOut">
               <a:rPr lang="en-US" smtClean="0"/>
-              <a:t>11/1/18</a:t>
+              <a:t>11/28/18</a:t>
             </a:fld>
             <a:endParaRPr lang="en-US"/>
           </a:p>
@@ -9045,15 +9045,7 @@
             <a:pPr lvl="1"/>
             <a:r>
               <a:rPr lang="en-US" dirty="0"/>
-              <a:t>E-Step: </a:t>
-            </a:r>
-            <a:r>
-              <a:rPr lang="en-US" dirty="0" err="1"/>
-              <a:t>probabilitiy</a:t>
-            </a:r>
-            <a:r>
-              <a:rPr lang="en-US" dirty="0"/>
-              <a:t> of alignments</a:t>
+              <a:t>E-Step: probability of alignments</a:t>
             </a:r>
           </a:p>
           <a:p>
